--- a/presentation.pptx
+++ b/presentation.pptx
@@ -223,7 +223,7 @@
           <a:p>
             <a:fld id="{8EAE1A38-C0C0-4C2A-997D-DCAB160D8699}" type="datetimeFigureOut">
               <a:rPr lang="de-DE" smtClean="0"/>
-              <a:t>23.01.2025</a:t>
+              <a:t>24.01.2025</a:t>
             </a:fld>
             <a:endParaRPr lang="de-DE"/>
           </a:p>
@@ -401,7 +401,7 @@
           <a:p>
             <a:fld id="{013B3013-1C26-469B-9E49-691AD075C9E1}" type="datetimeFigureOut">
               <a:rPr lang="de-DE" smtClean="0"/>
-              <a:t>23.01.2025</a:t>
+              <a:t>24.01.2025</a:t>
             </a:fld>
             <a:endParaRPr lang="de-DE"/>
           </a:p>
@@ -837,7 +837,7 @@
           <a:p>
             <a:fld id="{BC34E40E-545E-4CEA-A48B-911FA5F94402}" type="datetime1">
               <a:rPr lang="de-DE" smtClean="0"/>
-              <a:t>23.01.2025</a:t>
+              <a:t>24.01.2025</a:t>
             </a:fld>
             <a:endParaRPr lang="de-DE"/>
           </a:p>
@@ -1068,7 +1068,7 @@
           <a:p>
             <a:fld id="{ED10F3B1-1F6D-486B-BEF3-731D71AA281E}" type="datetime1">
               <a:rPr lang="de-DE" smtClean="0"/>
-              <a:t>23.01.2025</a:t>
+              <a:t>24.01.2025</a:t>
             </a:fld>
             <a:endParaRPr lang="de-DE"/>
           </a:p>
@@ -1251,7 +1251,7 @@
           <a:p>
             <a:fld id="{B3436D30-7D48-4F9A-AFAE-F044D693E1D9}" type="datetime1">
               <a:rPr lang="de-DE" smtClean="0"/>
-              <a:t>23.01.2025</a:t>
+              <a:t>24.01.2025</a:t>
             </a:fld>
             <a:endParaRPr lang="de-DE"/>
           </a:p>
@@ -1511,7 +1511,7 @@
           <a:p>
             <a:fld id="{BC34E40E-545E-4CEA-A48B-911FA5F94402}" type="datetime1">
               <a:rPr lang="de-DE" smtClean="0"/>
-              <a:t>23.01.2025</a:t>
+              <a:t>24.01.2025</a:t>
             </a:fld>
             <a:endParaRPr lang="de-DE"/>
           </a:p>
@@ -1738,7 +1738,7 @@
           <a:p>
             <a:fld id="{2C88AF18-8747-4AB3-9C30-79EAED6CDB2F}" type="datetime1">
               <a:rPr lang="de-DE" smtClean="0"/>
-              <a:t>23.01.2025</a:t>
+              <a:t>24.01.2025</a:t>
             </a:fld>
             <a:endParaRPr lang="de-DE"/>
           </a:p>
@@ -2032,7 +2032,7 @@
           <a:p>
             <a:fld id="{37E83178-AC87-4E1A-85BB-358BFF55CB49}" type="datetime1">
               <a:rPr lang="de-DE" smtClean="0"/>
-              <a:t>23.01.2025</a:t>
+              <a:t>24.01.2025</a:t>
             </a:fld>
             <a:endParaRPr lang="de-DE"/>
           </a:p>
@@ -2361,7 +2361,7 @@
           <a:p>
             <a:fld id="{5288533C-7151-4BDE-9AFA-4C84C7CE8AE5}" type="datetime1">
               <a:rPr lang="de-DE" smtClean="0"/>
-              <a:t>23.01.2025</a:t>
+              <a:t>24.01.2025</a:t>
             </a:fld>
             <a:endParaRPr lang="de-DE"/>
           </a:p>
@@ -2776,7 +2776,7 @@
           <a:p>
             <a:fld id="{11070DE0-1173-4F63-A99F-98719F50F623}" type="datetime1">
               <a:rPr lang="de-DE" smtClean="0"/>
-              <a:t>23.01.2025</a:t>
+              <a:t>24.01.2025</a:t>
             </a:fld>
             <a:endParaRPr lang="de-DE"/>
           </a:p>
@@ -2898,7 +2898,7 @@
           <a:p>
             <a:fld id="{9D61918B-3F5D-40EC-9582-3D7A0233ABE7}" type="datetime1">
               <a:rPr lang="de-DE" smtClean="0"/>
-              <a:t>23.01.2025</a:t>
+              <a:t>24.01.2025</a:t>
             </a:fld>
             <a:endParaRPr lang="de-DE"/>
           </a:p>
@@ -2996,7 +2996,7 @@
           <a:p>
             <a:fld id="{61295AB1-E706-4C9E-91DE-7CA983602F2A}" type="datetime1">
               <a:rPr lang="de-DE" smtClean="0"/>
-              <a:t>23.01.2025</a:t>
+              <a:t>24.01.2025</a:t>
             </a:fld>
             <a:endParaRPr lang="de-DE"/>
           </a:p>
@@ -3286,7 +3286,7 @@
           <a:p>
             <a:fld id="{96475555-03E4-4D6D-99FD-E80D904C182C}" type="datetime1">
               <a:rPr lang="de-DE" smtClean="0"/>
-              <a:t>23.01.2025</a:t>
+              <a:t>24.01.2025</a:t>
             </a:fld>
             <a:endParaRPr lang="de-DE"/>
           </a:p>
@@ -3459,7 +3459,7 @@
           <a:p>
             <a:fld id="{2C88AF18-8747-4AB3-9C30-79EAED6CDB2F}" type="datetime1">
               <a:rPr lang="de-DE" smtClean="0"/>
-              <a:t>23.01.2025</a:t>
+              <a:t>24.01.2025</a:t>
             </a:fld>
             <a:endParaRPr lang="de-DE"/>
           </a:p>
@@ -3739,7 +3739,7 @@
           <a:p>
             <a:fld id="{39570C2D-3805-478A-907B-357F20B01C2E}" type="datetime1">
               <a:rPr lang="de-DE" smtClean="0"/>
-              <a:t>23.01.2025</a:t>
+              <a:t>24.01.2025</a:t>
             </a:fld>
             <a:endParaRPr lang="de-DE"/>
           </a:p>
@@ -3912,7 +3912,7 @@
           <a:p>
             <a:fld id="{ED10F3B1-1F6D-486B-BEF3-731D71AA281E}" type="datetime1">
               <a:rPr lang="de-DE" smtClean="0"/>
-              <a:t>23.01.2025</a:t>
+              <a:t>24.01.2025</a:t>
             </a:fld>
             <a:endParaRPr lang="de-DE"/>
           </a:p>
@@ -4095,7 +4095,7 @@
           <a:p>
             <a:fld id="{B3436D30-7D48-4F9A-AFAE-F044D693E1D9}" type="datetime1">
               <a:rPr lang="de-DE" smtClean="0"/>
-              <a:t>23.01.2025</a:t>
+              <a:t>24.01.2025</a:t>
             </a:fld>
             <a:endParaRPr lang="de-DE"/>
           </a:p>
@@ -4352,7 +4352,7 @@
           <a:p>
             <a:fld id="{37E83178-AC87-4E1A-85BB-358BFF55CB49}" type="datetime1">
               <a:rPr lang="de-DE" smtClean="0"/>
-              <a:t>23.01.2025</a:t>
+              <a:t>24.01.2025</a:t>
             </a:fld>
             <a:endParaRPr lang="de-DE"/>
           </a:p>
@@ -4681,7 +4681,7 @@
           <a:p>
             <a:fld id="{5288533C-7151-4BDE-9AFA-4C84C7CE8AE5}" type="datetime1">
               <a:rPr lang="de-DE" smtClean="0"/>
-              <a:t>23.01.2025</a:t>
+              <a:t>24.01.2025</a:t>
             </a:fld>
             <a:endParaRPr lang="de-DE"/>
           </a:p>
@@ -5135,7 +5135,7 @@
           <a:p>
             <a:fld id="{D726A0E6-E598-4AF3-9164-DC3F41C48A50}" type="datetime1">
               <a:rPr lang="de-DE" smtClean="0"/>
-              <a:t>23.01.2025</a:t>
+              <a:t>24.01.2025</a:t>
             </a:fld>
             <a:endParaRPr lang="de-DE"/>
           </a:p>
@@ -5256,7 +5256,7 @@
           <a:p>
             <a:fld id="{9D61918B-3F5D-40EC-9582-3D7A0233ABE7}" type="datetime1">
               <a:rPr lang="de-DE" smtClean="0"/>
-              <a:t>23.01.2025</a:t>
+              <a:t>24.01.2025</a:t>
             </a:fld>
             <a:endParaRPr lang="de-DE"/>
           </a:p>
@@ -5354,7 +5354,7 @@
           <a:p>
             <a:fld id="{61295AB1-E706-4C9E-91DE-7CA983602F2A}" type="datetime1">
               <a:rPr lang="de-DE" smtClean="0"/>
-              <a:t>23.01.2025</a:t>
+              <a:t>24.01.2025</a:t>
             </a:fld>
             <a:endParaRPr lang="de-DE"/>
           </a:p>
@@ -5644,7 +5644,7 @@
           <a:p>
             <a:fld id="{96475555-03E4-4D6D-99FD-E80D904C182C}" type="datetime1">
               <a:rPr lang="de-DE" smtClean="0"/>
-              <a:t>23.01.2025</a:t>
+              <a:t>24.01.2025</a:t>
             </a:fld>
             <a:endParaRPr lang="de-DE"/>
           </a:p>
@@ -5969,7 +5969,7 @@
           <a:p>
             <a:fld id="{39570C2D-3805-478A-907B-357F20B01C2E}" type="datetime1">
               <a:rPr lang="de-DE" smtClean="0"/>
-              <a:t>23.01.2025</a:t>
+              <a:t>24.01.2025</a:t>
             </a:fld>
             <a:endParaRPr lang="de-DE"/>
           </a:p>
@@ -6226,7 +6226,7 @@
           <a:p>
             <a:fld id="{11070DE0-1173-4F63-A99F-98719F50F623}" type="datetime1">
               <a:rPr lang="de-DE" smtClean="0"/>
-              <a:t>23.01.2025</a:t>
+              <a:t>24.01.2025</a:t>
             </a:fld>
             <a:endParaRPr lang="de-DE"/>
           </a:p>
@@ -6891,7 +6891,7 @@
           <a:p>
             <a:fld id="{11070DE0-1173-4F63-A99F-98719F50F623}" type="datetime1">
               <a:rPr lang="de-DE" smtClean="0"/>
-              <a:t>23.01.2025</a:t>
+              <a:t>24.01.2025</a:t>
             </a:fld>
             <a:endParaRPr lang="de-DE"/>
           </a:p>
@@ -7489,7 +7489,7 @@
           <a:p>
             <a:fld id="{C51A32AD-C460-42DF-93E6-CC142360FD1A}" type="datetime1">
               <a:rPr lang="de-DE" smtClean="0"/>
-              <a:t>23.01.2025</a:t>
+              <a:t>24.01.2025</a:t>
             </a:fld>
             <a:endParaRPr lang="de-DE"/>
           </a:p>
@@ -7659,7 +7659,7 @@
           <a:p>
             <a:fld id="{36A13F21-B345-430A-A214-488525C40495}" type="datetime1">
               <a:rPr lang="de-DE" smtClean="0"/>
-              <a:t>23.01.2025</a:t>
+              <a:t>24.01.2025</a:t>
             </a:fld>
             <a:endParaRPr lang="de-DE"/>
           </a:p>
@@ -7827,7 +7827,7 @@
 </file>
 
 <file path=ppt/slides/slide11.xml><?xml version="1.0" encoding="utf-8"?>
-<p:sld xmlns:a="http://schemas.openxmlformats.org/drawingml/2006/main" xmlns:r="http://schemas.openxmlformats.org/officeDocument/2006/relationships" xmlns:p="http://schemas.openxmlformats.org/presentationml/2006/main" show="0">
+<p:sld xmlns:a="http://schemas.openxmlformats.org/drawingml/2006/main" xmlns:r="http://schemas.openxmlformats.org/officeDocument/2006/relationships" xmlns:p="http://schemas.openxmlformats.org/presentationml/2006/main">
   <p:cSld>
     <p:spTree>
       <p:nvGrpSpPr>
@@ -8222,7 +8222,7 @@
                   <a:spcPts val="600"/>
                 </a:spcAft>
               </a:pPr>
-              <a:t>23.01.2025</a:t>
+              <a:t>24.01.2025</a:t>
             </a:fld>
             <a:endParaRPr lang="de-DE">
               <a:solidFill>
@@ -8422,7 +8422,7 @@
           <a:p>
             <a:fld id="{87A01812-0673-4A61-B4C1-878FF97EACD8}" type="datetime1">
               <a:rPr lang="de-DE" smtClean="0"/>
-              <a:t>23.01.2025</a:t>
+              <a:t>24.01.2025</a:t>
             </a:fld>
             <a:endParaRPr lang="de-DE"/>
           </a:p>
@@ -9055,7 +9055,7 @@
           <a:p>
             <a:fld id="{E8303C49-BCC6-4CAB-9117-E0D4B5410ED5}" type="datetime1">
               <a:rPr lang="de-DE" smtClean="0"/>
-              <a:t>23.01.2025</a:t>
+              <a:t>24.01.2025</a:t>
             </a:fld>
             <a:endParaRPr lang="de-DE"/>
           </a:p>
@@ -9304,7 +9304,7 @@
           <a:p>
             <a:fld id="{2C88AF18-8747-4AB3-9C30-79EAED6CDB2F}" type="datetime1">
               <a:rPr lang="de-DE" smtClean="0"/>
-              <a:t>23.01.2025</a:t>
+              <a:t>24.01.2025</a:t>
             </a:fld>
             <a:endParaRPr lang="de-DE"/>
           </a:p>
@@ -9518,7 +9518,7 @@
                   <a:spcPts val="600"/>
                 </a:spcAft>
               </a:pPr>
-              <a:t>1/23/2025</a:t>
+              <a:t>1/24/2025</a:t>
             </a:fld>
             <a:endParaRPr lang="en-US"/>
           </a:p>
@@ -9676,7 +9676,7 @@
             <a:pPr lvl="1"/>
             <a:r>
               <a:rPr lang="de-DE" dirty="0"/>
-              <a:t>Separater Thread kompiliert häufig verwendete Codestücke</a:t>
+              <a:t>Separater Thread kompiliert mehrfach verwendete Codestücke</a:t>
             </a:r>
           </a:p>
         </p:txBody>
@@ -9704,7 +9704,7 @@
           <a:p>
             <a:fld id="{6F8D7E5B-ED66-4E91-B4EA-04C3FF2DF1ED}" type="datetime1">
               <a:rPr lang="de-DE" smtClean="0"/>
-              <a:t>23.01.2025</a:t>
+              <a:t>24.01.2025</a:t>
             </a:fld>
             <a:endParaRPr lang="de-DE"/>
           </a:p>
@@ -9863,7 +9863,7 @@
           <a:p>
             <a:fld id="{71DCAD5E-A7A5-40DA-B1DA-5BDAF5697E72}" type="datetime1">
               <a:rPr lang="de-DE" smtClean="0"/>
-              <a:t>23.01.2025</a:t>
+              <a:t>24.01.2025</a:t>
             </a:fld>
             <a:endParaRPr lang="de-DE"/>
           </a:p>
@@ -10132,7 +10132,7 @@
                   <a:spcPts val="600"/>
                 </a:spcAft>
               </a:pPr>
-              <a:t>23.01.2025</a:t>
+              <a:t>24.01.2025</a:t>
             </a:fld>
             <a:endParaRPr lang="de-DE"/>
           </a:p>
